--- a/MACC APP SLIDES/tuna_pres.pptx
+++ b/MACC APP SLIDES/tuna_pres.pptx
@@ -5,14 +5,16 @@
     <p:sldMasterId id="2147483648" r:id="rId1"/>
   </p:sldMasterIdLst>
   <p:notesMasterIdLst>
-    <p:notesMasterId r:id="rId7"/>
+    <p:notesMasterId r:id="rId9"/>
   </p:notesMasterIdLst>
   <p:sldIdLst>
     <p:sldId id="256" r:id="rId2"/>
     <p:sldId id="257" r:id="rId3"/>
     <p:sldId id="258" r:id="rId4"/>
     <p:sldId id="275" r:id="rId5"/>
-    <p:sldId id="274" r:id="rId6"/>
+    <p:sldId id="276" r:id="rId6"/>
+    <p:sldId id="277" r:id="rId7"/>
+    <p:sldId id="274" r:id="rId8"/>
   </p:sldIdLst>
   <p:sldSz cx="10080625" cy="5670550"/>
   <p:notesSz cx="7559675" cy="10691813"/>
@@ -1069,7 +1071,7 @@
               <a:latin typeface="Adobe Myungjo Std M" panose="02020600000000000000" pitchFamily="18" charset="-128"/>
               <a:ea typeface="Adobe Myungjo Std M" panose="02020600000000000000" pitchFamily="18" charset="-128"/>
             </a:rPr>
-            <a:t>Authenticate to use</a:t>
+            <a:t>Authenticate to use THE APP</a:t>
           </a:r>
           <a:endParaRPr lang="en-US" dirty="0">
             <a:latin typeface="Adobe Myungjo Std M" panose="02020600000000000000" pitchFamily="18" charset="-128"/>
@@ -1161,7 +1163,7 @@
               <a:latin typeface="Adobe Myungjo Std M" panose="02020600000000000000" pitchFamily="18" charset="-128"/>
               <a:ea typeface="Adobe Myungjo Std M" panose="02020600000000000000" pitchFamily="18" charset="-128"/>
             </a:rPr>
-            <a:t>Save locally favorite recipes</a:t>
+            <a:t>Save locally ALL YOURS favorite recipes</a:t>
           </a:r>
           <a:endParaRPr lang="en-US" dirty="0">
             <a:latin typeface="Adobe Myungjo Std M" panose="02020600000000000000" pitchFamily="18" charset="-128"/>
@@ -1797,7 +1799,7 @@
               <a:latin typeface="Adobe Myungjo Std M" panose="02020600000000000000" pitchFamily="18" charset="-128"/>
               <a:ea typeface="Adobe Myungjo Std M" panose="02020600000000000000" pitchFamily="18" charset="-128"/>
             </a:rPr>
-            <a:t>Authenticate to use</a:t>
+            <a:t>Authenticate to use THE APP</a:t>
           </a:r>
           <a:endParaRPr lang="en-US" sz="1100" kern="1200" dirty="0">
             <a:latin typeface="Adobe Myungjo Std M" panose="02020600000000000000" pitchFamily="18" charset="-128"/>
@@ -2119,7 +2121,7 @@
               <a:latin typeface="Adobe Myungjo Std M" panose="02020600000000000000" pitchFamily="18" charset="-128"/>
               <a:ea typeface="Adobe Myungjo Std M" panose="02020600000000000000" pitchFamily="18" charset="-128"/>
             </a:rPr>
-            <a:t>Save locally favorite recipes</a:t>
+            <a:t>Save locally ALL YOURS favorite recipes</a:t>
           </a:r>
           <a:endParaRPr lang="en-US" sz="1100" kern="1200" dirty="0">
             <a:latin typeface="Adobe Myungjo Std M" panose="02020600000000000000" pitchFamily="18" charset="-128"/>
@@ -4130,7 +4132,7 @@
           <a:p>
             <a:fld id="{DBD4095C-8F93-48CE-A01C-8926ECDF6712}" type="slidenum">
               <a:rPr lang="en-US" smtClean="0"/>
-              <a:t>5</a:t>
+              <a:t>7</a:t>
             </a:fld>
             <a:endParaRPr lang="en-US"/>
           </a:p>
@@ -6444,13 +6446,13 @@
           <a:p>
             <a:pPr algn="ctr"/>
             <a:r>
-              <a:rPr lang="it-IT" sz="4400" spc="-1" dirty="0">
+              <a:rPr lang="it-IT" sz="3600" spc="-1" dirty="0">
                 <a:latin typeface="Adobe Gothic Std B" panose="020B0800000000000000" pitchFamily="34" charset="-128"/>
                 <a:ea typeface="Adobe Gothic Std B" panose="020B0800000000000000" pitchFamily="34" charset="-128"/>
               </a:rPr>
               <a:t>App Goal</a:t>
             </a:r>
-            <a:endParaRPr lang="it-IT" sz="4400" b="0" strike="noStrike" spc="-1" dirty="0">
+            <a:endParaRPr lang="it-IT" sz="3600" b="0" strike="noStrike" spc="-1" dirty="0">
               <a:latin typeface="Adobe Gothic Std B" panose="020B0800000000000000" pitchFamily="34" charset="-128"/>
               <a:ea typeface="Adobe Gothic Std B" panose="020B0800000000000000" pitchFamily="34" charset="-128"/>
             </a:endParaRPr>
@@ -6573,7 +6575,7 @@
               </a:spcAft>
             </a:pPr>
             <a:r>
-              <a:rPr lang="en-US" sz="4400" b="0" strike="noStrike" kern="1200" spc="-1" dirty="0">
+              <a:rPr lang="en-US" sz="3600" b="0" strike="noStrike" kern="1200" spc="-1" dirty="0">
                 <a:solidFill>
                   <a:schemeClr val="tx1"/>
                 </a:solidFill>
@@ -6599,7 +6601,7 @@
           <p:nvPr>
             <p:extLst>
               <p:ext uri="{D42A27DB-BD31-4B8C-83A1-F6EECF244321}">
-                <p14:modId xmlns:p14="http://schemas.microsoft.com/office/powerpoint/2010/main" val="2097649429"/>
+                <p14:modId xmlns:p14="http://schemas.microsoft.com/office/powerpoint/2010/main" val="4055854213"/>
               </p:ext>
             </p:extLst>
           </p:nvPr>
@@ -6666,13 +6668,13 @@
           <a:p>
             <a:pPr algn="ctr"/>
             <a:r>
-              <a:rPr lang="it-IT" sz="4400" spc="-1" dirty="0">
+              <a:rPr lang="it-IT" sz="3600" spc="-1" dirty="0">
                 <a:latin typeface="Adobe Gothic Std B" panose="020B0800000000000000" pitchFamily="34" charset="-128"/>
                 <a:ea typeface="Adobe Gothic Std B" panose="020B0800000000000000" pitchFamily="34" charset="-128"/>
               </a:rPr>
               <a:t>High Level Components</a:t>
             </a:r>
-            <a:endParaRPr lang="it-IT" sz="4400" b="0" strike="noStrike" spc="-1" dirty="0">
+            <a:endParaRPr lang="it-IT" sz="3600" b="0" strike="noStrike" spc="-1" dirty="0">
               <a:latin typeface="Adobe Gothic Std B" panose="020B0800000000000000" pitchFamily="34" charset="-128"/>
               <a:ea typeface="Adobe Gothic Std B" panose="020B0800000000000000" pitchFamily="34" charset="-128"/>
             </a:endParaRPr>
@@ -6681,10 +6683,10 @@
       </p:sp>
       <p:pic>
         <p:nvPicPr>
-          <p:cNvPr id="5" name="Immagine 4" descr="Immagine che contiene testo&#10;&#10;Descrizione generata automaticamente">
+          <p:cNvPr id="3" name="Immagine 2">
             <a:extLst>
               <a:ext uri="{FF2B5EF4-FFF2-40B4-BE49-F238E27FC236}">
-                <a16:creationId xmlns:a16="http://schemas.microsoft.com/office/drawing/2014/main" id="{435F72D2-D1B8-4757-AE53-1983692EEC65}"/>
+                <a16:creationId xmlns:a16="http://schemas.microsoft.com/office/drawing/2014/main" id="{D914CBE3-A0E4-4200-9635-1807B9A2AF26}"/>
               </a:ext>
             </a:extLst>
           </p:cNvPr>
@@ -6693,7 +6695,7 @@
           </p:cNvPicPr>
           <p:nvPr/>
         </p:nvPicPr>
-        <p:blipFill>
+        <p:blipFill rotWithShape="1">
           <a:blip r:embed="rId2">
             <a:extLst>
               <a:ext uri="{28A0092B-C50C-407E-A947-70E740481C1C}">
@@ -6701,14 +6703,13 @@
               </a:ext>
             </a:extLst>
           </a:blip>
-          <a:stretch>
-            <a:fillRect/>
-          </a:stretch>
+          <a:srcRect b="17550"/>
+          <a:stretch/>
         </p:blipFill>
         <p:spPr>
           <a:xfrm>
-            <a:off x="2115047" y="1106477"/>
-            <a:ext cx="6085430" cy="4564073"/>
+            <a:off x="1327868" y="1037489"/>
+            <a:ext cx="7492318" cy="4633061"/>
           </a:xfrm>
           <a:prstGeom prst="rect">
             <a:avLst/>
@@ -6729,6 +6730,388 @@
 </file>
 
 <file path=ppt/slides/slide5.xml><?xml version="1.0" encoding="utf-8"?>
+<p:sld xmlns:a="http://schemas.openxmlformats.org/drawingml/2006/main" xmlns:r="http://schemas.openxmlformats.org/officeDocument/2006/relationships" xmlns:p="http://schemas.openxmlformats.org/presentationml/2006/main">
+  <p:cSld>
+    <p:spTree>
+      <p:nvGrpSpPr>
+        <p:cNvPr id="1" name=""/>
+        <p:cNvGrpSpPr/>
+        <p:nvPr/>
+      </p:nvGrpSpPr>
+      <p:grpSpPr>
+        <a:xfrm>
+          <a:off x="0" y="0"/>
+          <a:ext cx="0" cy="0"/>
+          <a:chOff x="0" y="0"/>
+          <a:chExt cx="0" cy="0"/>
+        </a:xfrm>
+      </p:grpSpPr>
+      <p:sp>
+        <p:nvSpPr>
+          <p:cNvPr id="46" name="TextShape 1"/>
+          <p:cNvSpPr txBox="1"/>
+          <p:nvPr/>
+        </p:nvSpPr>
+        <p:spPr>
+          <a:xfrm>
+            <a:off x="504000" y="226080"/>
+            <a:ext cx="9071640" cy="946440"/>
+          </a:xfrm>
+          <a:prstGeom prst="rect">
+            <a:avLst/>
+          </a:prstGeom>
+          <a:noFill/>
+          <a:ln>
+            <a:noFill/>
+          </a:ln>
+        </p:spPr>
+        <p:txBody>
+          <a:bodyPr lIns="0" tIns="0" rIns="0" bIns="0" anchor="ctr">
+            <a:noAutofit/>
+          </a:bodyPr>
+          <a:lstStyle/>
+          <a:p>
+            <a:pPr algn="ctr"/>
+            <a:r>
+              <a:rPr lang="it-IT" sz="3600" spc="-1" dirty="0">
+                <a:latin typeface="Adobe Gothic Std B" panose="020B0800000000000000" pitchFamily="34" charset="-128"/>
+                <a:ea typeface="Adobe Gothic Std B" panose="020B0800000000000000" pitchFamily="34" charset="-128"/>
+              </a:rPr>
+              <a:t>Android </a:t>
+            </a:r>
+            <a:r>
+              <a:rPr lang="it-IT" sz="3600" spc="-1" dirty="0" err="1">
+                <a:latin typeface="Adobe Gothic Std B" panose="020B0800000000000000" pitchFamily="34" charset="-128"/>
+                <a:ea typeface="Adobe Gothic Std B" panose="020B0800000000000000" pitchFamily="34" charset="-128"/>
+              </a:rPr>
+              <a:t>Architecure</a:t>
+            </a:r>
+            <a:r>
+              <a:rPr lang="it-IT" sz="3600" spc="-1" dirty="0">
+                <a:latin typeface="Adobe Gothic Std B" panose="020B0800000000000000" pitchFamily="34" charset="-128"/>
+                <a:ea typeface="Adobe Gothic Std B" panose="020B0800000000000000" pitchFamily="34" charset="-128"/>
+              </a:rPr>
+              <a:t> Components</a:t>
+            </a:r>
+            <a:endParaRPr lang="it-IT" sz="3600" b="0" strike="noStrike" spc="-1" dirty="0">
+              <a:latin typeface="Adobe Gothic Std B" panose="020B0800000000000000" pitchFamily="34" charset="-128"/>
+              <a:ea typeface="Adobe Gothic Std B" panose="020B0800000000000000" pitchFamily="34" charset="-128"/>
+            </a:endParaRPr>
+          </a:p>
+        </p:txBody>
+      </p:sp>
+      <p:pic>
+        <p:nvPicPr>
+          <p:cNvPr id="4" name="Immagine 3" descr="Immagine che contiene testo, mappa&#10;&#10;Descrizione generata automaticamente">
+            <a:extLst>
+              <a:ext uri="{FF2B5EF4-FFF2-40B4-BE49-F238E27FC236}">
+                <a16:creationId xmlns:a16="http://schemas.microsoft.com/office/drawing/2014/main" id="{10C89396-CAD5-4E23-84BC-0E36810C352B}"/>
+              </a:ext>
+            </a:extLst>
+          </p:cNvPr>
+          <p:cNvPicPr>
+            <a:picLocks noChangeAspect="1"/>
+          </p:cNvPicPr>
+          <p:nvPr/>
+        </p:nvPicPr>
+        <p:blipFill rotWithShape="1">
+          <a:blip r:embed="rId2">
+            <a:extLst>
+              <a:ext uri="{28A0092B-C50C-407E-A947-70E740481C1C}">
+                <a14:useLocalDpi xmlns:a14="http://schemas.microsoft.com/office/drawing/2010/main" val="0"/>
+              </a:ext>
+            </a:extLst>
+          </a:blip>
+          <a:srcRect t="15986" b="8435"/>
+          <a:stretch/>
+        </p:blipFill>
+        <p:spPr>
+          <a:xfrm>
+            <a:off x="1029727" y="1158716"/>
+            <a:ext cx="8020186" cy="4285754"/>
+          </a:xfrm>
+          <a:prstGeom prst="rect">
+            <a:avLst/>
+          </a:prstGeom>
+        </p:spPr>
+      </p:pic>
+    </p:spTree>
+    <p:extLst>
+      <p:ext uri="{BB962C8B-B14F-4D97-AF65-F5344CB8AC3E}">
+        <p14:creationId xmlns:p14="http://schemas.microsoft.com/office/powerpoint/2010/main" val="4054139171"/>
+      </p:ext>
+    </p:extLst>
+  </p:cSld>
+  <p:clrMapOvr>
+    <a:masterClrMapping/>
+  </p:clrMapOvr>
+</p:sld>
+</file>
+
+<file path=ppt/slides/slide6.xml><?xml version="1.0" encoding="utf-8"?>
+<p:sld xmlns:a="http://schemas.openxmlformats.org/drawingml/2006/main" xmlns:r="http://schemas.openxmlformats.org/officeDocument/2006/relationships" xmlns:p="http://schemas.openxmlformats.org/presentationml/2006/main">
+  <p:cSld>
+    <p:spTree>
+      <p:nvGrpSpPr>
+        <p:cNvPr id="1" name=""/>
+        <p:cNvGrpSpPr/>
+        <p:nvPr/>
+      </p:nvGrpSpPr>
+      <p:grpSpPr>
+        <a:xfrm>
+          <a:off x="0" y="0"/>
+          <a:ext cx="0" cy="0"/>
+          <a:chOff x="0" y="0"/>
+          <a:chExt cx="0" cy="0"/>
+        </a:xfrm>
+      </p:grpSpPr>
+      <p:sp>
+        <p:nvSpPr>
+          <p:cNvPr id="44" name="TextShape 1"/>
+          <p:cNvSpPr txBox="1"/>
+          <p:nvPr/>
+        </p:nvSpPr>
+        <p:spPr>
+          <a:xfrm>
+            <a:off x="504000" y="226080"/>
+            <a:ext cx="9071640" cy="946440"/>
+          </a:xfrm>
+          <a:prstGeom prst="rect">
+            <a:avLst/>
+          </a:prstGeom>
+          <a:noFill/>
+          <a:ln>
+            <a:noFill/>
+          </a:ln>
+        </p:spPr>
+        <p:txBody>
+          <a:bodyPr lIns="0" tIns="0" rIns="0" bIns="0" anchor="ctr">
+            <a:noAutofit/>
+          </a:bodyPr>
+          <a:lstStyle/>
+          <a:p>
+            <a:pPr algn="ctr"/>
+            <a:r>
+              <a:rPr lang="it-IT" sz="3600" spc="-1" dirty="0">
+                <a:latin typeface="Adobe Gothic Std B" panose="020B0800000000000000" pitchFamily="34" charset="-128"/>
+                <a:ea typeface="Adobe Gothic Std B" panose="020B0800000000000000" pitchFamily="34" charset="-128"/>
+              </a:rPr>
+              <a:t>App Data</a:t>
+            </a:r>
+            <a:endParaRPr lang="it-IT" sz="3600" b="0" strike="noStrike" spc="-1" dirty="0">
+              <a:latin typeface="Adobe Gothic Std B" panose="020B0800000000000000" pitchFamily="34" charset="-128"/>
+              <a:ea typeface="Adobe Gothic Std B" panose="020B0800000000000000" pitchFamily="34" charset="-128"/>
+            </a:endParaRPr>
+          </a:p>
+        </p:txBody>
+      </p:sp>
+      <p:sp>
+        <p:nvSpPr>
+          <p:cNvPr id="45" name="TextShape 2"/>
+          <p:cNvSpPr txBox="1"/>
+          <p:nvPr/>
+        </p:nvSpPr>
+        <p:spPr>
+          <a:xfrm>
+            <a:off x="504000" y="1326599"/>
+            <a:ext cx="9071640" cy="3597093"/>
+          </a:xfrm>
+          <a:prstGeom prst="rect">
+            <a:avLst/>
+          </a:prstGeom>
+          <a:noFill/>
+          <a:ln>
+            <a:noFill/>
+          </a:ln>
+        </p:spPr>
+        <p:txBody>
+          <a:bodyPr lIns="0" tIns="0" rIns="0" bIns="0">
+            <a:normAutofit fontScale="85000" lnSpcReduction="20000"/>
+          </a:bodyPr>
+          <a:lstStyle/>
+          <a:p>
+            <a:pPr marL="432000" indent="-324000">
+              <a:spcBef>
+                <a:spcPts val="1417"/>
+              </a:spcBef>
+              <a:buClr>
+                <a:srgbClr val="000000"/>
+              </a:buClr>
+              <a:buSzPct val="45000"/>
+              <a:buFont typeface="Wingdings" charset="2"/>
+              <a:buChar char=""/>
+            </a:pPr>
+            <a:r>
+              <a:rPr lang="en-US" sz="3200" b="0" strike="noStrike" spc="-1" dirty="0">
+                <a:latin typeface="Adobe Myungjo Std M" panose="02020600000000000000" pitchFamily="18" charset="-128"/>
+                <a:ea typeface="Adobe Myungjo Std M" panose="02020600000000000000" pitchFamily="18" charset="-128"/>
+              </a:rPr>
+              <a:t>We use real recipes data obtained with web scraping from </a:t>
+            </a:r>
+            <a:r>
+              <a:rPr lang="en-US" sz="3200" spc="-1" dirty="0">
+                <a:latin typeface="Adobe Myungjo Std M" panose="02020600000000000000" pitchFamily="18" charset="-128"/>
+                <a:ea typeface="Adobe Myungjo Std M" panose="02020600000000000000" pitchFamily="18" charset="-128"/>
+              </a:rPr>
+              <a:t>g</a:t>
+            </a:r>
+            <a:r>
+              <a:rPr lang="en-US" sz="3200" b="0" strike="noStrike" spc="-1" dirty="0">
+                <a:latin typeface="Adobe Myungjo Std M" panose="02020600000000000000" pitchFamily="18" charset="-128"/>
+                <a:ea typeface="Adobe Myungjo Std M" panose="02020600000000000000" pitchFamily="18" charset="-128"/>
+              </a:rPr>
+              <a:t>iallozafferano.it</a:t>
+            </a:r>
+          </a:p>
+          <a:p>
+            <a:pPr marL="432000" indent="-324000">
+              <a:spcBef>
+                <a:spcPts val="1417"/>
+              </a:spcBef>
+              <a:buClr>
+                <a:srgbClr val="000000"/>
+              </a:buClr>
+              <a:buSzPct val="45000"/>
+              <a:buFont typeface="Wingdings" charset="2"/>
+              <a:buChar char=""/>
+            </a:pPr>
+            <a:r>
+              <a:rPr lang="en-US" sz="3200" spc="-1" dirty="0">
+                <a:latin typeface="Adobe Myungjo Std M" panose="02020600000000000000" pitchFamily="18" charset="-128"/>
+                <a:ea typeface="Adobe Myungjo Std M" panose="02020600000000000000" pitchFamily="18" charset="-128"/>
+              </a:rPr>
+              <a:t>The scraper runs in our </a:t>
+            </a:r>
+            <a:r>
+              <a:rPr lang="en-US" sz="3200" spc="-1" dirty="0" err="1">
+                <a:latin typeface="Adobe Myungjo Std M" panose="02020600000000000000" pitchFamily="18" charset="-128"/>
+                <a:ea typeface="Adobe Myungjo Std M" panose="02020600000000000000" pitchFamily="18" charset="-128"/>
+              </a:rPr>
+              <a:t>NodeJs</a:t>
+            </a:r>
+            <a:r>
+              <a:rPr lang="en-US" sz="3200" spc="-1" dirty="0">
+                <a:latin typeface="Adobe Myungjo Std M" panose="02020600000000000000" pitchFamily="18" charset="-128"/>
+                <a:ea typeface="Adobe Myungjo Std M" panose="02020600000000000000" pitchFamily="18" charset="-128"/>
+              </a:rPr>
+              <a:t> backend</a:t>
+            </a:r>
+          </a:p>
+          <a:p>
+            <a:pPr marL="432000" indent="-324000">
+              <a:spcBef>
+                <a:spcPts val="1417"/>
+              </a:spcBef>
+              <a:buClr>
+                <a:srgbClr val="000000"/>
+              </a:buClr>
+              <a:buSzPct val="45000"/>
+              <a:buFont typeface="Wingdings" charset="2"/>
+              <a:buChar char=""/>
+            </a:pPr>
+            <a:r>
+              <a:rPr lang="en-US" sz="3200" spc="-1" dirty="0">
+                <a:latin typeface="Adobe Myungjo Std M" panose="02020600000000000000" pitchFamily="18" charset="-128"/>
+                <a:ea typeface="Adobe Myungjo Std M" panose="02020600000000000000" pitchFamily="18" charset="-128"/>
+              </a:rPr>
+              <a:t>The scraper</a:t>
+            </a:r>
+            <a:r>
+              <a:rPr lang="en-US" sz="3200" b="0" strike="noStrike" spc="-1" dirty="0">
+                <a:latin typeface="Adobe Myungjo Std M" panose="02020600000000000000" pitchFamily="18" charset="-128"/>
+                <a:ea typeface="Adobe Myungjo Std M" panose="02020600000000000000" pitchFamily="18" charset="-128"/>
+              </a:rPr>
+              <a:t> writes acquired data directly </a:t>
+            </a:r>
+            <a:r>
+              <a:rPr lang="en-US" sz="3200" spc="-1" dirty="0">
+                <a:latin typeface="Adobe Myungjo Std M" panose="02020600000000000000" pitchFamily="18" charset="-128"/>
+                <a:ea typeface="Adobe Myungjo Std M" panose="02020600000000000000" pitchFamily="18" charset="-128"/>
+              </a:rPr>
+              <a:t>into an</a:t>
+            </a:r>
+            <a:r>
+              <a:rPr lang="en-US" sz="3200" b="0" strike="noStrike" spc="-1" dirty="0">
+                <a:latin typeface="Adobe Myungjo Std M" panose="02020600000000000000" pitchFamily="18" charset="-128"/>
+                <a:ea typeface="Adobe Myungjo Std M" panose="02020600000000000000" pitchFamily="18" charset="-128"/>
+              </a:rPr>
+              <a:t> Atlas Collection</a:t>
+            </a:r>
+          </a:p>
+          <a:p>
+            <a:pPr marL="432000" indent="-324000">
+              <a:spcBef>
+                <a:spcPts val="1417"/>
+              </a:spcBef>
+              <a:buClr>
+                <a:srgbClr val="000000"/>
+              </a:buClr>
+              <a:buSzPct val="45000"/>
+              <a:buFont typeface="Wingdings" charset="2"/>
+              <a:buChar char=""/>
+            </a:pPr>
+            <a:r>
+              <a:rPr lang="en-US" sz="3200" spc="-1" dirty="0">
+                <a:latin typeface="Adobe Myungjo Std M" panose="02020600000000000000" pitchFamily="18" charset="-128"/>
+                <a:ea typeface="Adobe Myungjo Std M" panose="02020600000000000000" pitchFamily="18" charset="-128"/>
+              </a:rPr>
+              <a:t>The app query those data using the API </a:t>
+            </a:r>
+          </a:p>
+          <a:p>
+            <a:pPr marL="432000" indent="-324000">
+              <a:spcBef>
+                <a:spcPts val="1417"/>
+              </a:spcBef>
+              <a:buClr>
+                <a:srgbClr val="000000"/>
+              </a:buClr>
+              <a:buSzPct val="45000"/>
+              <a:buFont typeface="Wingdings" charset="2"/>
+              <a:buChar char=""/>
+            </a:pPr>
+            <a:r>
+              <a:rPr lang="en-US" sz="3200" spc="-1" dirty="0">
+                <a:latin typeface="Adobe Myungjo Std M" panose="02020600000000000000" pitchFamily="18" charset="-128"/>
+                <a:ea typeface="Adobe Myungjo Std M" panose="02020600000000000000" pitchFamily="18" charset="-128"/>
+              </a:rPr>
+              <a:t>Search by ingredients is implemented using a </a:t>
+            </a:r>
+            <a:r>
+              <a:rPr lang="en-US" sz="3200" b="1" i="1" spc="-1" dirty="0">
+                <a:latin typeface="Adobe Myungjo Std M" panose="02020600000000000000" pitchFamily="18" charset="-128"/>
+                <a:ea typeface="Adobe Myungjo Std M" panose="02020600000000000000" pitchFamily="18" charset="-128"/>
+              </a:rPr>
+              <a:t>Text Index</a:t>
+            </a:r>
+            <a:r>
+              <a:rPr lang="en-US" sz="3200" spc="-1" dirty="0">
+                <a:latin typeface="Adobe Myungjo Std M" panose="02020600000000000000" pitchFamily="18" charset="-128"/>
+                <a:ea typeface="Adobe Myungjo Std M" panose="02020600000000000000" pitchFamily="18" charset="-128"/>
+              </a:rPr>
+              <a:t> defined on the recipes` ingredient field</a:t>
+            </a:r>
+            <a:endParaRPr lang="it-IT" sz="3200" b="0" strike="noStrike" spc="-1" dirty="0">
+              <a:latin typeface="Adobe Myungjo Std M" panose="02020600000000000000" pitchFamily="18" charset="-128"/>
+              <a:ea typeface="Adobe Myungjo Std M" panose="02020600000000000000" pitchFamily="18" charset="-128"/>
+            </a:endParaRPr>
+          </a:p>
+        </p:txBody>
+      </p:sp>
+    </p:spTree>
+    <p:extLst>
+      <p:ext uri="{BB962C8B-B14F-4D97-AF65-F5344CB8AC3E}">
+        <p14:creationId xmlns:p14="http://schemas.microsoft.com/office/powerpoint/2010/main" val="3338069999"/>
+      </p:ext>
+    </p:extLst>
+  </p:cSld>
+  <p:clrMapOvr>
+    <a:masterClrMapping/>
+  </p:clrMapOvr>
+</p:sld>
+</file>
+
+<file path=ppt/slides/slide7.xml><?xml version="1.0" encoding="utf-8"?>
 <p:sld xmlns:a="http://schemas.openxmlformats.org/drawingml/2006/main" xmlns:r="http://schemas.openxmlformats.org/officeDocument/2006/relationships" xmlns:p="http://schemas.openxmlformats.org/presentationml/2006/main">
   <p:cSld>
     <p:bg>

--- a/MACC APP SLIDES/tuna_pres.pptx
+++ b/MACC APP SLIDES/tuna_pres.pptx
@@ -6802,10 +6802,10 @@
       </p:sp>
       <p:pic>
         <p:nvPicPr>
-          <p:cNvPr id="4" name="Immagine 3" descr="Immagine che contiene testo, mappa&#10;&#10;Descrizione generata automaticamente">
+          <p:cNvPr id="3" name="Immagine 2" descr="Immagine che contiene testo, mappa&#10;&#10;Descrizione generata automaticamente">
             <a:extLst>
               <a:ext uri="{FF2B5EF4-FFF2-40B4-BE49-F238E27FC236}">
-                <a16:creationId xmlns:a16="http://schemas.microsoft.com/office/drawing/2014/main" id="{10C89396-CAD5-4E23-84BC-0E36810C352B}"/>
+                <a16:creationId xmlns:a16="http://schemas.microsoft.com/office/drawing/2014/main" id="{87097E5F-70D8-4D5B-8AFF-6E86BB5D9657}"/>
               </a:ext>
             </a:extLst>
           </p:cNvPr>
@@ -6822,13 +6822,13 @@
               </a:ext>
             </a:extLst>
           </a:blip>
-          <a:srcRect t="15986" b="8435"/>
+          <a:srcRect t="15705" b="8857"/>
           <a:stretch/>
         </p:blipFill>
         <p:spPr>
           <a:xfrm>
-            <a:off x="1029727" y="1158716"/>
-            <a:ext cx="8020186" cy="4285754"/>
+            <a:off x="1029727" y="1172520"/>
+            <a:ext cx="8020186" cy="4277802"/>
           </a:xfrm>
           <a:prstGeom prst="rect">
             <a:avLst/>
